--- a/5.AHIFS/DBI/Sonstiges/Referat_BTree-Hashing/B-Tree.pptx
+++ b/5.AHIFS/DBI/Sonstiges/Referat_BTree-Hashing/B-Tree.pptx
@@ -205,7 +205,7 @@
           <a:p>
             <a:fld id="{CC94D4C6-8148-48A3-B880-5B604D4E4EC8}" type="datetimeFigureOut">
               <a:rPr lang="de-AT" smtClean="0"/>
-              <a:t>06.03.2019</a:t>
+              <a:t>07.03.2019</a:t>
             </a:fld>
             <a:endParaRPr lang="de-AT"/>
           </a:p>
@@ -727,7 +727,15 @@
           <a:p>
             <a:r>
               <a:rPr lang="de-AT" dirty="0"/>
-              <a:t>Immer Blattknoten und nach Suchlauf ob noch nicht existier und welchen Knoten er einzutragen ist</a:t>
+              <a:t>Immer Blattknoten und nach </a:t>
+            </a:r>
+            <a:r>
+              <a:rPr lang="de-AT"/>
+              <a:t>Suchlauf ob er </a:t>
+            </a:r>
+            <a:r>
+              <a:rPr lang="de-AT" dirty="0"/>
+              <a:t>noch nicht existier und welchen Knoten er einzutragen ist</a:t>
             </a:r>
           </a:p>
         </p:txBody>
@@ -868,6 +876,102 @@
 </p:notes>
 </file>
 
+<file path=ppt/notesSlides/notesSlide5.xml><?xml version="1.0" encoding="utf-8"?>
+<p:notes xmlns:a="http://schemas.openxmlformats.org/drawingml/2006/main" xmlns:r="http://schemas.openxmlformats.org/officeDocument/2006/relationships" xmlns:p="http://schemas.openxmlformats.org/presentationml/2006/main">
+  <p:cSld>
+    <p:spTree>
+      <p:nvGrpSpPr>
+        <p:cNvPr id="1" name=""/>
+        <p:cNvGrpSpPr/>
+        <p:nvPr/>
+      </p:nvGrpSpPr>
+      <p:grpSpPr>
+        <a:xfrm>
+          <a:off x="0" y="0"/>
+          <a:ext cx="0" cy="0"/>
+          <a:chOff x="0" y="0"/>
+          <a:chExt cx="0" cy="0"/>
+        </a:xfrm>
+      </p:grpSpPr>
+      <p:sp>
+        <p:nvSpPr>
+          <p:cNvPr id="2" name="Folienbildplatzhalter 1"/>
+          <p:cNvSpPr>
+            <a:spLocks noGrp="1" noRot="1" noChangeAspect="1"/>
+          </p:cNvSpPr>
+          <p:nvPr>
+            <p:ph type="sldImg"/>
+          </p:nvPr>
+        </p:nvSpPr>
+        <p:spPr/>
+      </p:sp>
+      <p:sp>
+        <p:nvSpPr>
+          <p:cNvPr id="3" name="Notizenplatzhalter 2"/>
+          <p:cNvSpPr>
+            <a:spLocks noGrp="1"/>
+          </p:cNvSpPr>
+          <p:nvPr>
+            <p:ph type="body" idx="1"/>
+          </p:nvPr>
+        </p:nvSpPr>
+        <p:spPr/>
+        <p:txBody>
+          <a:bodyPr/>
+          <a:lstStyle/>
+          <a:p>
+            <a:r>
+              <a:rPr lang="de-AT" sz="1200" b="0" i="0" kern="1200" dirty="0">
+                <a:solidFill>
+                  <a:schemeClr val="tx1"/>
+                </a:solidFill>
+                <a:effectLst/>
+                <a:latin typeface="+mn-lt"/>
+                <a:ea typeface="+mn-ea"/>
+                <a:cs typeface="+mn-cs"/>
+              </a:rPr>
+              <a:t>Dazu ist eine Anpassung des B-Baum-Algorithmus zur Überlaufbehandlung nötig. Anstatt bei einem Überlauf sofort einen neuen Knoten anzulegen, wird zuerst überprüft, ob im rechten Nachbarknoten noch Platz ist. Ist dies der Fall, werden die Schlüssel der beiden Knoten und der trennende Schlüssel im Elternknoten gleichmäßig auf die beiden Knoten verteilt.</a:t>
+            </a:r>
+            <a:endParaRPr lang="de-AT" dirty="0"/>
+          </a:p>
+        </p:txBody>
+      </p:sp>
+      <p:sp>
+        <p:nvSpPr>
+          <p:cNvPr id="4" name="Foliennummernplatzhalter 3"/>
+          <p:cNvSpPr>
+            <a:spLocks noGrp="1"/>
+          </p:cNvSpPr>
+          <p:nvPr>
+            <p:ph type="sldNum" sz="quarter" idx="5"/>
+          </p:nvPr>
+        </p:nvSpPr>
+        <p:spPr/>
+        <p:txBody>
+          <a:bodyPr/>
+          <a:lstStyle/>
+          <a:p>
+            <a:fld id="{6D048C83-0663-4F5A-BFA1-9E817A656BCE}" type="slidenum">
+              <a:rPr lang="de-AT" smtClean="0"/>
+              <a:t>8</a:t>
+            </a:fld>
+            <a:endParaRPr lang="de-AT"/>
+          </a:p>
+        </p:txBody>
+      </p:sp>
+    </p:spTree>
+    <p:extLst>
+      <p:ext uri="{BB962C8B-B14F-4D97-AF65-F5344CB8AC3E}">
+        <p14:creationId xmlns:p14="http://schemas.microsoft.com/office/powerpoint/2010/main" val="1099968902"/>
+      </p:ext>
+    </p:extLst>
+  </p:cSld>
+  <p:clrMapOvr>
+    <a:masterClrMapping/>
+  </p:clrMapOvr>
+</p:notes>
+</file>
+
 <file path=ppt/slideLayouts/slideLayout1.xml><?xml version="1.0" encoding="utf-8"?>
 <p:sldLayout xmlns:a="http://schemas.openxmlformats.org/drawingml/2006/main" xmlns:r="http://schemas.openxmlformats.org/officeDocument/2006/relationships" xmlns:p="http://schemas.openxmlformats.org/presentationml/2006/main" type="title" preserve="1">
   <p:cSld name="Titelfolie">
@@ -963,7 +1067,7 @@
           <a:effectLst/>
           <a:extLst>
             <a:ext uri="{91240B29-F687-4f45-9708-019B960494DF}">
-              <a14:hiddenLine xmlns="" xmlns:a14="http://schemas.microsoft.com/office/drawing/2010/main" w="9525">
+              <a14:hiddenLine xmlns:a14="http://schemas.microsoft.com/office/drawing/2010/main" xmlns="" w="9525">
                 <a:solidFill>
                   <a:srgbClr val="000000"/>
                 </a:solidFill>
@@ -1155,7 +1259,7 @@
           <a:p>
             <a:fld id="{013C1D8D-4604-462A-82B4-0D43F15AFBC5}" type="datetime1">
               <a:rPr lang="en-US" smtClean="0"/>
-              <a:t>3/6/2019</a:t>
+              <a:t>3/7/2019</a:t>
             </a:fld>
             <a:endParaRPr lang="en-US" dirty="0"/>
           </a:p>
@@ -1473,7 +1577,7 @@
           <a:p>
             <a:fld id="{832CA29B-0162-47D0-975A-736F86A1EDDD}" type="datetime1">
               <a:rPr lang="en-US" smtClean="0"/>
-              <a:t>3/6/2019</a:t>
+              <a:t>3/7/2019</a:t>
             </a:fld>
             <a:endParaRPr lang="en-US" dirty="0"/>
           </a:p>
@@ -1961,7 +2065,7 @@
           <a:p>
             <a:fld id="{07E3CB06-C59C-4C29-A880-D098069AE970}" type="datetime1">
               <a:rPr lang="en-US" smtClean="0"/>
-              <a:t>3/6/2019</a:t>
+              <a:t>3/7/2019</a:t>
             </a:fld>
             <a:endParaRPr lang="en-US" dirty="0"/>
           </a:p>
@@ -2330,7 +2434,7 @@
           <a:p>
             <a:fld id="{DF1232AF-7531-4B00-98AC-AB958C624BFA}" type="datetime1">
               <a:rPr lang="en-US" smtClean="0"/>
-              <a:t>3/6/2019</a:t>
+              <a:t>3/7/2019</a:t>
             </a:fld>
             <a:endParaRPr lang="en-US" dirty="0"/>
           </a:p>
@@ -2485,7 +2589,7 @@
           <a:ln/>
           <a:extLst>
             <a:ext uri="{91240B29-F687-4f45-9708-019B960494DF}">
-              <a14:hiddenLine xmlns="" xmlns:a14="http://schemas.microsoft.com/office/drawing/2010/main" w="9525">
+              <a14:hiddenLine xmlns:a14="http://schemas.microsoft.com/office/drawing/2010/main" xmlns="" w="9525">
                 <a:solidFill>
                   <a:srgbClr val="000000"/>
                 </a:solidFill>
@@ -2603,7 +2707,7 @@
           <a:p>
             <a:fld id="{E33B46E7-FE63-4EF7-9794-35F7357E4E24}" type="datetime1">
               <a:rPr lang="en-US" smtClean="0"/>
-              <a:t>3/6/2019</a:t>
+              <a:t>3/7/2019</a:t>
             </a:fld>
             <a:endParaRPr lang="en-US" dirty="0"/>
           </a:p>
@@ -2760,7 +2864,7 @@
           <a:ln/>
           <a:extLst>
             <a:ext uri="{91240B29-F687-4f45-9708-019B960494DF}">
-              <a14:hiddenLine xmlns="" xmlns:a14="http://schemas.microsoft.com/office/drawing/2010/main" w="9525">
+              <a14:hiddenLine xmlns:a14="http://schemas.microsoft.com/office/drawing/2010/main" xmlns="" w="9525">
                 <a:solidFill>
                   <a:srgbClr val="000000"/>
                 </a:solidFill>
@@ -2888,7 +2992,7 @@
           <a:p>
             <a:fld id="{6AA25DD7-4297-4C6B-BBB6-08F29619603B}" type="datetime1">
               <a:rPr lang="en-US" smtClean="0"/>
-              <a:t>3/6/2019</a:t>
+              <a:t>3/7/2019</a:t>
             </a:fld>
             <a:endParaRPr lang="en-US" dirty="0"/>
           </a:p>
@@ -3043,7 +3147,7 @@
           <a:ln/>
           <a:extLst>
             <a:ext uri="{91240B29-F687-4f45-9708-019B960494DF}">
-              <a14:hiddenLine xmlns="" xmlns:a14="http://schemas.microsoft.com/office/drawing/2010/main" w="9525">
+              <a14:hiddenLine xmlns:a14="http://schemas.microsoft.com/office/drawing/2010/main" xmlns="" w="9525">
                 <a:solidFill>
                   <a:srgbClr val="000000"/>
                 </a:solidFill>
@@ -3171,7 +3275,7 @@
           <a:p>
             <a:fld id="{DC9A3ACC-55E4-4EB6-8707-0B1F740BB33A}" type="datetime1">
               <a:rPr lang="en-US" smtClean="0"/>
-              <a:t>3/6/2019</a:t>
+              <a:t>3/7/2019</a:t>
             </a:fld>
             <a:endParaRPr lang="en-US" dirty="0"/>
           </a:p>
@@ -3514,7 +3618,7 @@
           <a:p>
             <a:fld id="{51218AFD-8158-4E57-81CD-B52610B4D9F4}" type="datetime1">
               <a:rPr lang="en-US" smtClean="0"/>
-              <a:t>3/6/2019</a:t>
+              <a:t>3/7/2019</a:t>
             </a:fld>
             <a:endParaRPr lang="en-US" dirty="0"/>
           </a:p>
@@ -3669,7 +3773,7 @@
           <a:ln/>
           <a:extLst>
             <a:ext uri="{91240B29-F687-4f45-9708-019B960494DF}">
-              <a14:hiddenLine xmlns="" xmlns:a14="http://schemas.microsoft.com/office/drawing/2010/main" w="9525">
+              <a14:hiddenLine xmlns:a14="http://schemas.microsoft.com/office/drawing/2010/main" xmlns="" w="9525">
                 <a:solidFill>
                   <a:srgbClr val="000000"/>
                 </a:solidFill>
@@ -3853,7 +3957,7 @@
           <a:p>
             <a:fld id="{88755A20-269E-4170-BCA9-624789230D01}" type="datetime1">
               <a:rPr lang="en-US" smtClean="0"/>
-              <a:t>3/6/2019</a:t>
+              <a:t>3/7/2019</a:t>
             </a:fld>
             <a:endParaRPr lang="en-US" dirty="0"/>
           </a:p>
@@ -4008,7 +4112,7 @@
           <a:ln/>
           <a:extLst>
             <a:ext uri="{91240B29-F687-4f45-9708-019B960494DF}">
-              <a14:hiddenLine xmlns="" xmlns:a14="http://schemas.microsoft.com/office/drawing/2010/main" w="9525">
+              <a14:hiddenLine xmlns:a14="http://schemas.microsoft.com/office/drawing/2010/main" xmlns="" w="9525">
                 <a:solidFill>
                   <a:srgbClr val="000000"/>
                 </a:solidFill>
@@ -4330,7 +4434,7 @@
           <a:p>
             <a:fld id="{F0F80592-88B7-4F26-90CA-4AEC24A2BDBA}" type="datetime1">
               <a:rPr lang="en-US" smtClean="0"/>
-              <a:t>3/6/2019</a:t>
+              <a:t>3/7/2019</a:t>
             </a:fld>
             <a:endParaRPr lang="en-US" dirty="0"/>
           </a:p>
@@ -4485,7 +4589,7 @@
           <a:ln/>
           <a:extLst>
             <a:ext uri="{91240B29-F687-4f45-9708-019B960494DF}">
-              <a14:hiddenLine xmlns="" xmlns:a14="http://schemas.microsoft.com/office/drawing/2010/main" w="9525">
+              <a14:hiddenLine xmlns:a14="http://schemas.microsoft.com/office/drawing/2010/main" xmlns="" w="9525">
                 <a:solidFill>
                   <a:srgbClr val="000000"/>
                 </a:solidFill>
@@ -4551,7 +4655,7 @@
           <a:p>
             <a:fld id="{EB4069A7-2422-41E8-B568-24977C11F27B}" type="datetime1">
               <a:rPr lang="en-US" smtClean="0"/>
-              <a:t>3/6/2019</a:t>
+              <a:t>3/7/2019</a:t>
             </a:fld>
             <a:endParaRPr lang="en-US" dirty="0"/>
           </a:p>
@@ -4646,7 +4750,7 @@
           <a:p>
             <a:fld id="{C9C869F5-DF0F-4820-A81C-D57147EA2FE9}" type="datetime1">
               <a:rPr lang="en-US" smtClean="0"/>
-              <a:t>3/6/2019</a:t>
+              <a:t>3/7/2019</a:t>
             </a:fld>
             <a:endParaRPr lang="en-US" dirty="0"/>
           </a:p>
@@ -4914,7 +5018,7 @@
           <a:ln/>
           <a:extLst>
             <a:ext uri="{91240B29-F687-4f45-9708-019B960494DF}">
-              <a14:hiddenLine xmlns="" xmlns:a14="http://schemas.microsoft.com/office/drawing/2010/main" w="9525">
+              <a14:hiddenLine xmlns:a14="http://schemas.microsoft.com/office/drawing/2010/main" xmlns="" w="9525">
                 <a:solidFill>
                   <a:srgbClr val="000000"/>
                 </a:solidFill>
@@ -5113,7 +5217,7 @@
           <a:p>
             <a:fld id="{15137FD3-6D59-41DF-A0EA-A9AAD83F161E}" type="datetime1">
               <a:rPr lang="en-US" smtClean="0"/>
-              <a:t>3/6/2019</a:t>
+              <a:t>3/7/2019</a:t>
             </a:fld>
             <a:endParaRPr lang="en-US" dirty="0"/>
           </a:p>
@@ -5426,7 +5530,7 @@
           <a:p>
             <a:fld id="{406203DA-7448-486C-9360-63B419079B49}" type="datetime1">
               <a:rPr lang="en-US" smtClean="0"/>
-              <a:t>3/6/2019</a:t>
+              <a:t>3/7/2019</a:t>
             </a:fld>
             <a:endParaRPr lang="en-US" dirty="0"/>
           </a:p>
@@ -5700,7 +5804,7 @@
           <a:p>
             <a:fld id="{82787AE7-67BC-4EAD-AA57-FC9E63D14FFE}" type="datetime1">
               <a:rPr lang="en-US" smtClean="0"/>
-              <a:t>3/6/2019</a:t>
+              <a:t>3/7/2019</a:t>
             </a:fld>
             <a:endParaRPr lang="en-US" dirty="0"/>
           </a:p>
@@ -7875,7 +7979,7 @@
           <p:nvPr/>
         </p:nvPicPr>
         <p:blipFill>
-          <a:blip r:embed="rId2" cstate="print">
+          <a:blip r:embed="rId3" cstate="print">
             <a:extLst>
               <a:ext uri="{28A0092B-C50C-407E-A947-70E740481C1C}">
                 <a14:useLocalDpi xmlns:a14="http://schemas.microsoft.com/office/drawing/2010/main" val="0"/>
